--- a/slides/geog4300_f19_L12-1 ANOVA.pptx
+++ b/slides/geog4300_f19_L12-1 ANOVA.pptx
@@ -17879,7 +17879,7 @@
               <a:buNone/>
             </a:pPr>
             <a:r>
-              <a:rPr lang="en-US" sz="4400" b="0" i="0" u="none" strike="noStrike" cap="none">
+              <a:rPr lang="en-US" sz="4400" b="0" i="0" u="none" strike="noStrike" cap="none" dirty="0" err="1">
                 <a:solidFill>
                   <a:srgbClr val="FFFF66"/>
                 </a:solidFill>
@@ -17901,18 +17901,15 @@
                 <a:sym typeface="Gill Sans MT"/>
               </a:rPr>
             </a:br>
-            <a:r>
-              <a:rPr lang="en-US" sz="3600" b="0" i="1" u="none" strike="noStrike" cap="none">
-                <a:solidFill>
-                  <a:srgbClr val="FFFF66"/>
-                </a:solidFill>
-                <a:latin typeface="Gill Sans MT"/>
-                <a:ea typeface="Gill Sans MT"/>
-                <a:cs typeface="Gill Sans MT"/>
-                <a:sym typeface="Gill Sans MT"/>
-              </a:rPr>
-              <a:t>Week 10, class 2</a:t>
-            </a:r>
+            <a:endParaRPr lang="en-US" sz="3600" b="0" i="1" u="none" strike="noStrike" cap="none" dirty="0">
+              <a:solidFill>
+                <a:srgbClr val="FFFF66"/>
+              </a:solidFill>
+              <a:latin typeface="Gill Sans MT"/>
+              <a:ea typeface="Gill Sans MT"/>
+              <a:cs typeface="Gill Sans MT"/>
+              <a:sym typeface="Gill Sans MT"/>
+            </a:endParaRPr>
           </a:p>
         </p:txBody>
       </p:sp>
@@ -24655,7 +24652,7 @@
                       <m:jc m:val="centerGroup"/>
                     </m:oMathParaPr>
                     <m:oMath xmlns:m="http://schemas.openxmlformats.org/officeDocument/2006/math">
-                      <a:fld id="{42FDD3F7-8735-4576-A59D-DFB9EC21759F}" type="mathplaceholder">
+                      <a:fld id="{10727F4A-450E-4E2C-B983-FE6F9B1114DB}" type="mathplaceholder">
                         <a:rPr lang="en-US" i="1" smtClean="0">
                           <a:latin typeface="Cambria Math" panose="02040503050406030204" pitchFamily="18" charset="0"/>
                         </a:rPr>
@@ -33603,41 +33600,6 @@
           </a:graphicData>
         </a:graphic>
       </p:graphicFrame>
-      <p:cxnSp>
-        <p:nvCxnSpPr>
-          <p:cNvPr id="3" name="Straight Connector 2"/>
-          <p:cNvCxnSpPr/>
-          <p:nvPr/>
-        </p:nvCxnSpPr>
-        <p:spPr>
-          <a:xfrm>
-            <a:off x="1581150" y="2962275"/>
-            <a:ext cx="6743700" cy="19050"/>
-          </a:xfrm>
-          <a:prstGeom prst="line">
-            <a:avLst/>
-          </a:prstGeom>
-          <a:ln w="38100">
-            <a:solidFill>
-              <a:srgbClr val="FF0000"/>
-            </a:solidFill>
-          </a:ln>
-        </p:spPr>
-        <p:style>
-          <a:lnRef idx="1">
-            <a:schemeClr val="accent1"/>
-          </a:lnRef>
-          <a:fillRef idx="0">
-            <a:schemeClr val="accent1"/>
-          </a:fillRef>
-          <a:effectRef idx="0">
-            <a:schemeClr val="accent1"/>
-          </a:effectRef>
-          <a:fontRef idx="minor">
-            <a:schemeClr val="tx1"/>
-          </a:fontRef>
-        </p:style>
-      </p:cxnSp>
     </p:spTree>
   </p:cSld>
   <p:clrMapOvr>
